--- a/android/notification/doc/slides.pptx
+++ b/android/notification/doc/slides.pptx
@@ -200,7 +200,7 @@
           <a:p>
             <a:fld id="{45C86A49-C617-4B9F-B187-4BD37A3ABF8C}" type="datetimeFigureOut">
               <a:rPr lang="en-US" smtClean="0"/>
-              <a:t>7/30/2015</a:t>
+              <a:t>8/6/2015</a:t>
             </a:fld>
             <a:endParaRPr lang="en-US"/>
           </a:p>
@@ -3874,7 +3874,7 @@
       </p:sp>
       <p:pic>
         <p:nvPicPr>
-          <p:cNvPr id="7" name="Picture 6"/>
+          <p:cNvPr id="2" name="Picture 1"/>
           <p:cNvPicPr>
             <a:picLocks noChangeAspect="1"/>
           </p:cNvPicPr>
@@ -3894,8 +3894,8 @@
         </p:blipFill>
         <p:spPr>
           <a:xfrm>
-            <a:off x="997901" y="365119"/>
-            <a:ext cx="3262752" cy="6025855"/>
+            <a:off x="990355" y="365125"/>
+            <a:ext cx="3255783" cy="5788058"/>
           </a:xfrm>
           <a:prstGeom prst="rect">
             <a:avLst/>
@@ -3918,7 +3918,7 @@
       </p:pic>
       <p:pic>
         <p:nvPicPr>
-          <p:cNvPr id="8" name="Picture 7"/>
+          <p:cNvPr id="3" name="Picture 2"/>
           <p:cNvPicPr>
             <a:picLocks noChangeAspect="1"/>
           </p:cNvPicPr>
@@ -3938,8 +3938,8 @@
         </p:blipFill>
         <p:spPr>
           <a:xfrm>
-            <a:off x="4397262" y="365120"/>
-            <a:ext cx="3350111" cy="6025855"/>
+            <a:off x="4355725" y="338972"/>
+            <a:ext cx="3270494" cy="5814211"/>
           </a:xfrm>
           <a:prstGeom prst="rect">
             <a:avLst/>
@@ -3962,7 +3962,7 @@
       </p:pic>
       <p:pic>
         <p:nvPicPr>
-          <p:cNvPr id="9" name="Picture 8"/>
+          <p:cNvPr id="10" name="Picture 9"/>
           <p:cNvPicPr>
             <a:picLocks noChangeAspect="1"/>
           </p:cNvPicPr>
@@ -3982,8 +3982,8 @@
         </p:blipFill>
         <p:spPr>
           <a:xfrm>
-            <a:off x="7883982" y="365120"/>
-            <a:ext cx="3339827" cy="6025854"/>
+            <a:off x="7735806" y="338971"/>
+            <a:ext cx="3270494" cy="5814211"/>
           </a:xfrm>
           <a:prstGeom prst="rect">
             <a:avLst/>
